--- a/Module_12/powerpoint.pptx
+++ b/Module_12/powerpoint.pptx
@@ -199,7 +199,7 @@
           <a:p>
             <a:fld id="{67F50315-23FB-744C-A442-688C0CD35FC4}" type="datetimeFigureOut">
               <a:rPr lang="en-US" smtClean="0"/>
-              <a:t>4/20/17</a:t>
+              <a:t>4/24/17</a:t>
             </a:fld>
             <a:endParaRPr lang="en-US"/>
           </a:p>
@@ -682,7 +682,7 @@
           <a:p>
             <a:fld id="{C2914099-B2CB-0C48-8BCE-5C316BE25F0F}" type="datetimeFigureOut">
               <a:rPr lang="en-US" smtClean="0"/>
-              <a:t>4/20/17</a:t>
+              <a:t>4/24/17</a:t>
             </a:fld>
             <a:endParaRPr lang="en-US"/>
           </a:p>
@@ -852,7 +852,7 @@
           <a:p>
             <a:fld id="{C2914099-B2CB-0C48-8BCE-5C316BE25F0F}" type="datetimeFigureOut">
               <a:rPr lang="en-US" smtClean="0"/>
-              <a:t>4/20/17</a:t>
+              <a:t>4/24/17</a:t>
             </a:fld>
             <a:endParaRPr lang="en-US"/>
           </a:p>
@@ -1032,7 +1032,7 @@
           <a:p>
             <a:fld id="{C2914099-B2CB-0C48-8BCE-5C316BE25F0F}" type="datetimeFigureOut">
               <a:rPr lang="en-US" smtClean="0"/>
-              <a:t>4/20/17</a:t>
+              <a:t>4/24/17</a:t>
             </a:fld>
             <a:endParaRPr lang="en-US"/>
           </a:p>
@@ -1202,7 +1202,7 @@
           <a:p>
             <a:fld id="{C2914099-B2CB-0C48-8BCE-5C316BE25F0F}" type="datetimeFigureOut">
               <a:rPr lang="en-US" smtClean="0"/>
-              <a:t>4/20/17</a:t>
+              <a:t>4/24/17</a:t>
             </a:fld>
             <a:endParaRPr lang="en-US"/>
           </a:p>
@@ -1448,7 +1448,7 @@
           <a:p>
             <a:fld id="{C2914099-B2CB-0C48-8BCE-5C316BE25F0F}" type="datetimeFigureOut">
               <a:rPr lang="en-US" smtClean="0"/>
-              <a:t>4/20/17</a:t>
+              <a:t>4/24/17</a:t>
             </a:fld>
             <a:endParaRPr lang="en-US"/>
           </a:p>
@@ -1680,7 +1680,7 @@
           <a:p>
             <a:fld id="{C2914099-B2CB-0C48-8BCE-5C316BE25F0F}" type="datetimeFigureOut">
               <a:rPr lang="en-US" smtClean="0"/>
-              <a:t>4/20/17</a:t>
+              <a:t>4/24/17</a:t>
             </a:fld>
             <a:endParaRPr lang="en-US"/>
           </a:p>
@@ -2047,7 +2047,7 @@
           <a:p>
             <a:fld id="{C2914099-B2CB-0C48-8BCE-5C316BE25F0F}" type="datetimeFigureOut">
               <a:rPr lang="en-US" smtClean="0"/>
-              <a:t>4/20/17</a:t>
+              <a:t>4/24/17</a:t>
             </a:fld>
             <a:endParaRPr lang="en-US"/>
           </a:p>
@@ -2165,7 +2165,7 @@
           <a:p>
             <a:fld id="{C2914099-B2CB-0C48-8BCE-5C316BE25F0F}" type="datetimeFigureOut">
               <a:rPr lang="en-US" smtClean="0"/>
-              <a:t>4/20/17</a:t>
+              <a:t>4/24/17</a:t>
             </a:fld>
             <a:endParaRPr lang="en-US"/>
           </a:p>
@@ -2260,7 +2260,7 @@
           <a:p>
             <a:fld id="{C2914099-B2CB-0C48-8BCE-5C316BE25F0F}" type="datetimeFigureOut">
               <a:rPr lang="en-US" smtClean="0"/>
-              <a:t>4/20/17</a:t>
+              <a:t>4/24/17</a:t>
             </a:fld>
             <a:endParaRPr lang="en-US"/>
           </a:p>
@@ -2537,7 +2537,7 @@
           <a:p>
             <a:fld id="{C2914099-B2CB-0C48-8BCE-5C316BE25F0F}" type="datetimeFigureOut">
               <a:rPr lang="en-US" smtClean="0"/>
-              <a:t>4/20/17</a:t>
+              <a:t>4/24/17</a:t>
             </a:fld>
             <a:endParaRPr lang="en-US"/>
           </a:p>
@@ -2790,7 +2790,7 @@
           <a:p>
             <a:fld id="{C2914099-B2CB-0C48-8BCE-5C316BE25F0F}" type="datetimeFigureOut">
               <a:rPr lang="en-US" smtClean="0"/>
-              <a:t>4/20/17</a:t>
+              <a:t>4/24/17</a:t>
             </a:fld>
             <a:endParaRPr lang="en-US"/>
           </a:p>
@@ -3003,7 +3003,7 @@
           <a:p>
             <a:fld id="{C2914099-B2CB-0C48-8BCE-5C316BE25F0F}" type="datetimeFigureOut">
               <a:rPr lang="en-US" smtClean="0"/>
-              <a:t>4/20/17</a:t>
+              <a:t>4/24/17</a:t>
             </a:fld>
             <a:endParaRPr lang="en-US"/>
           </a:p>
@@ -3528,7 +3528,12 @@
             <p:ph type="title"/>
           </p:nvPr>
         </p:nvSpPr>
-        <p:spPr/>
+        <p:spPr>
+          <a:xfrm>
+            <a:off x="1445011" y="365125"/>
+            <a:ext cx="9532434" cy="925795"/>
+          </a:xfrm>
+        </p:spPr>
         <p:txBody>
           <a:bodyPr/>
           <a:lstStyle/>
@@ -3566,8 +3571,8 @@
         </p:blipFill>
         <p:spPr>
           <a:xfrm>
-            <a:off x="1438340" y="1825625"/>
-            <a:ext cx="9315319" cy="4351338"/>
+            <a:off x="524107" y="1290920"/>
+            <a:ext cx="11374243" cy="5313095"/>
           </a:xfrm>
         </p:spPr>
       </p:pic>
@@ -3611,7 +3616,12 @@
             <p:ph type="title"/>
           </p:nvPr>
         </p:nvSpPr>
-        <p:spPr/>
+        <p:spPr>
+          <a:xfrm>
+            <a:off x="1389257" y="188542"/>
+            <a:ext cx="9510132" cy="1162592"/>
+          </a:xfrm>
+        </p:spPr>
         <p:txBody>
           <a:bodyPr/>
           <a:lstStyle/>
@@ -3627,7 +3637,7 @@
       </p:sp>
       <p:pic>
         <p:nvPicPr>
-          <p:cNvPr id="7" name="Content Placeholder 6"/>
+          <p:cNvPr id="3" name="Content Placeholder 2"/>
           <p:cNvPicPr>
             <a:picLocks noGrp="1" noChangeAspect="1"/>
           </p:cNvPicPr>
@@ -3649,8 +3659,8 @@
         </p:blipFill>
         <p:spPr>
           <a:xfrm>
-            <a:off x="2045424" y="1519961"/>
-            <a:ext cx="7621090" cy="4763880"/>
+            <a:off x="356840" y="1351134"/>
+            <a:ext cx="11574966" cy="5256429"/>
           </a:xfrm>
         </p:spPr>
       </p:pic>

--- a/Module_12/powerpoint.pptx
+++ b/Module_12/powerpoint.pptx
@@ -5,12 +5,15 @@
     <p:sldMasterId id="2147483648" r:id="rId1"/>
   </p:sldMasterIdLst>
   <p:notesMasterIdLst>
-    <p:notesMasterId r:id="rId5"/>
+    <p:notesMasterId r:id="rId8"/>
   </p:notesMasterIdLst>
   <p:sldIdLst>
-    <p:sldId id="258" r:id="rId2"/>
-    <p:sldId id="256" r:id="rId3"/>
-    <p:sldId id="257" r:id="rId4"/>
+    <p:sldId id="262" r:id="rId2"/>
+    <p:sldId id="258" r:id="rId3"/>
+    <p:sldId id="256" r:id="rId4"/>
+    <p:sldId id="259" r:id="rId5"/>
+    <p:sldId id="257" r:id="rId6"/>
+    <p:sldId id="261" r:id="rId7"/>
   </p:sldIdLst>
   <p:sldSz cx="12192000" cy="6858000"/>
   <p:notesSz cx="6858000" cy="9144000"/>
@@ -111,7 +114,7 @@
   </p:defaultTextStyle>
   <p:extLst>
     <p:ext uri="{EFAFB233-063F-42B5-8137-9DF3F51BA10A}">
-      <p15:sldGuideLst xmlns:p15="http://schemas.microsoft.com/office/powerpoint/2012/main"/>
+      <p15:sldGuideLst xmlns="" xmlns:p15="http://schemas.microsoft.com/office/powerpoint/2012/main"/>
     </p:ext>
   </p:extLst>
 </p:presentation>
@@ -532,7 +535,7 @@
           <a:p>
             <a:fld id="{010A3751-6E34-3640-BEF5-752F2B71D529}" type="slidenum">
               <a:rPr lang="en-US" smtClean="0"/>
-              <a:t>2</a:t>
+              <a:t>3</a:t>
             </a:fld>
             <a:endParaRPr lang="en-US"/>
           </a:p>
@@ -3415,7 +3418,7 @@
             <a:spLocks noGrp="1"/>
           </p:cNvSpPr>
           <p:nvPr>
-            <p:ph type="title"/>
+            <p:ph type="ctrTitle"/>
           </p:nvPr>
         </p:nvSpPr>
         <p:spPr/>
@@ -3423,67 +3426,33 @@
           <a:bodyPr/>
           <a:lstStyle/>
           <a:p>
-            <a:endParaRPr lang="en-US"/>
-          </a:p>
-        </p:txBody>
-      </p:sp>
-      <p:sp>
-        <p:nvSpPr>
-          <p:cNvPr id="3" name="Content Placeholder 2"/>
-          <p:cNvSpPr>
-            <a:spLocks noGrp="1"/>
-          </p:cNvSpPr>
-          <p:nvPr>
-            <p:ph idx="1"/>
+            <a:r>
+              <a:rPr lang="en-US" dirty="0" smtClean="0"/>
+              <a:t>Good/Bad Visualization</a:t>
+            </a:r>
+            <a:endParaRPr lang="en-US" dirty="0"/>
+          </a:p>
+        </p:txBody>
+      </p:sp>
+      <p:sp>
+        <p:nvSpPr>
+          <p:cNvPr id="3" name="Subtitle 2"/>
+          <p:cNvSpPr>
+            <a:spLocks noGrp="1"/>
+          </p:cNvSpPr>
+          <p:nvPr>
+            <p:ph type="subTitle" idx="1"/>
           </p:nvPr>
         </p:nvSpPr>
         <p:spPr/>
         <p:txBody>
-          <a:bodyPr>
-            <a:normAutofit fontScale="92500"/>
-          </a:bodyPr>
-          <a:lstStyle/>
-          <a:p>
-            <a:r>
-              <a:rPr lang="en-US" dirty="0"/>
-              <a:t>Using a data set of your choosing, create two visualizations of the same data.  One visualization will be the worst visualization you can create.  The second visualization will be the best visualization you can create.  Prepare a power point slide demonstrating both visualizations.  Write a few paragraphs that compare and contrast the two visualizations based on the principles and concepts discussed in class</a:t>
-            </a:r>
+          <a:bodyPr/>
+          <a:lstStyle/>
+          <a:p>
             <a:r>
               <a:rPr lang="en-US" dirty="0" smtClean="0"/>
-              <a:t>.</a:t>
-            </a:r>
-            <a:endParaRPr lang="en-US" dirty="0"/>
-          </a:p>
-          <a:p>
-            <a:r>
-              <a:rPr lang="en-US" dirty="0"/>
-              <a:t>Submit your completed work as a PDF document with the following file naming convention: LASTNAME_FIRSTNAME Name of </a:t>
-            </a:r>
-            <a:r>
-              <a:rPr lang="en-US" dirty="0" err="1"/>
-              <a:t>Assignment.pdf</a:t>
-            </a:r>
-            <a:r>
-              <a:rPr lang="en-US" dirty="0"/>
-              <a:t>.</a:t>
-            </a:r>
-          </a:p>
-          <a:p>
-            <a:r>
-              <a:rPr lang="en-US" dirty="0"/>
-              <a:t>Please also email the pdf to </a:t>
-            </a:r>
-            <a:r>
-              <a:rPr lang="en-US" dirty="0" err="1" smtClean="0"/>
-              <a:t>ian.mcculloh@jhuapl.edu</a:t>
-            </a:r>
-            <a:r>
-              <a:rPr lang="en-US" dirty="0"/>
-              <a:t/>
-            </a:r>
-            <a:br>
-              <a:rPr lang="en-US" dirty="0"/>
-            </a:br>
+              <a:t>With Facebook data</a:t>
+            </a:r>
             <a:endParaRPr lang="en-US" dirty="0"/>
           </a:p>
         </p:txBody>
@@ -3491,7 +3460,7 @@
     </p:spTree>
     <p:extLst>
       <p:ext uri="{BB962C8B-B14F-4D97-AF65-F5344CB8AC3E}">
-        <p14:creationId xmlns:p14="http://schemas.microsoft.com/office/powerpoint/2010/main" val="761870423"/>
+        <p14:creationId xmlns:p14="http://schemas.microsoft.com/office/powerpoint/2010/main" val="1058375009"/>
       </p:ext>
     </p:extLst>
   </p:cSld>
@@ -3520,6 +3489,90 @@
       </p:grpSpPr>
       <p:sp>
         <p:nvSpPr>
+          <p:cNvPr id="2" name="Title 1"/>
+          <p:cNvSpPr>
+            <a:spLocks noGrp="1"/>
+          </p:cNvSpPr>
+          <p:nvPr>
+            <p:ph type="title"/>
+          </p:nvPr>
+        </p:nvSpPr>
+        <p:spPr/>
+        <p:txBody>
+          <a:bodyPr/>
+          <a:lstStyle/>
+          <a:p>
+            <a:r>
+              <a:rPr lang="en-US" dirty="0" smtClean="0"/>
+              <a:t>Background Information</a:t>
+            </a:r>
+            <a:endParaRPr lang="en-US" dirty="0"/>
+          </a:p>
+        </p:txBody>
+      </p:sp>
+      <p:sp>
+        <p:nvSpPr>
+          <p:cNvPr id="3" name="Content Placeholder 2"/>
+          <p:cNvSpPr>
+            <a:spLocks noGrp="1"/>
+          </p:cNvSpPr>
+          <p:nvPr>
+            <p:ph idx="1"/>
+          </p:nvPr>
+        </p:nvSpPr>
+        <p:spPr/>
+        <p:txBody>
+          <a:bodyPr>
+            <a:normAutofit/>
+          </a:bodyPr>
+          <a:lstStyle/>
+          <a:p>
+            <a:r>
+              <a:rPr lang="en-US" dirty="0" smtClean="0"/>
+              <a:t>Used the Facebook Graph API to query for public pages using the word ‘Apple’. Using the first three top results, query for query for posts of the pages and comments/likes on those pages.</a:t>
+            </a:r>
+          </a:p>
+          <a:p>
+            <a:r>
+              <a:rPr lang="en-US" dirty="0" smtClean="0"/>
+              <a:t>Display data using Socrates Web.</a:t>
+            </a:r>
+            <a:endParaRPr lang="en-US" dirty="0"/>
+          </a:p>
+        </p:txBody>
+      </p:sp>
+    </p:spTree>
+    <p:extLst>
+      <p:ext uri="{BB962C8B-B14F-4D97-AF65-F5344CB8AC3E}">
+        <p14:creationId xmlns:p14="http://schemas.microsoft.com/office/powerpoint/2010/main" val="761870423"/>
+      </p:ext>
+    </p:extLst>
+  </p:cSld>
+  <p:clrMapOvr>
+    <a:masterClrMapping/>
+  </p:clrMapOvr>
+</p:sld>
+</file>
+
+<file path=ppt/slides/slide3.xml><?xml version="1.0" encoding="utf-8"?>
+<p:sld xmlns:a="http://schemas.openxmlformats.org/drawingml/2006/main" xmlns:r="http://schemas.openxmlformats.org/officeDocument/2006/relationships" xmlns:p="http://schemas.openxmlformats.org/presentationml/2006/main">
+  <p:cSld>
+    <p:spTree>
+      <p:nvGrpSpPr>
+        <p:cNvPr id="1" name=""/>
+        <p:cNvGrpSpPr/>
+        <p:nvPr/>
+      </p:nvGrpSpPr>
+      <p:grpSpPr>
+        <a:xfrm>
+          <a:off x="0" y="0"/>
+          <a:ext cx="0" cy="0"/>
+          <a:chOff x="0" y="0"/>
+          <a:chExt cx="0" cy="0"/>
+        </a:xfrm>
+      </p:grpSpPr>
+      <p:sp>
+        <p:nvSpPr>
           <p:cNvPr id="5" name="Title 4"/>
           <p:cNvSpPr>
             <a:spLocks noGrp="1"/>
@@ -3541,7 +3594,7 @@
             <a:pPr algn="ctr"/>
             <a:r>
               <a:rPr lang="en-US" dirty="0" smtClean="0"/>
-              <a:t>Bad Visualization</a:t>
+              <a:t>Original Visualization</a:t>
             </a:r>
             <a:endParaRPr lang="en-US" dirty="0"/>
           </a:p>
@@ -3589,7 +3642,7 @@
 </p:sld>
 </file>
 
-<file path=ppt/slides/slide3.xml><?xml version="1.0" encoding="utf-8"?>
+<file path=ppt/slides/slide4.xml><?xml version="1.0" encoding="utf-8"?>
 <p:sld xmlns:a="http://schemas.openxmlformats.org/drawingml/2006/main" xmlns:r="http://schemas.openxmlformats.org/officeDocument/2006/relationships" xmlns:p="http://schemas.openxmlformats.org/presentationml/2006/main">
   <p:cSld>
     <p:spTree>
@@ -3608,6 +3661,172 @@
       </p:grpSpPr>
       <p:sp>
         <p:nvSpPr>
+          <p:cNvPr id="4" name="Title 3"/>
+          <p:cNvSpPr>
+            <a:spLocks noGrp="1"/>
+          </p:cNvSpPr>
+          <p:nvPr>
+            <p:ph type="title"/>
+          </p:nvPr>
+        </p:nvSpPr>
+        <p:spPr>
+          <a:xfrm>
+            <a:off x="839788" y="457200"/>
+            <a:ext cx="3932237" cy="830943"/>
+          </a:xfrm>
+        </p:spPr>
+        <p:txBody>
+          <a:bodyPr/>
+          <a:lstStyle/>
+          <a:p>
+            <a:r>
+              <a:rPr lang="en-US" dirty="0" smtClean="0"/>
+              <a:t>Bad Visualization</a:t>
+            </a:r>
+            <a:endParaRPr lang="en-US" dirty="0"/>
+          </a:p>
+        </p:txBody>
+      </p:sp>
+      <p:sp>
+        <p:nvSpPr>
+          <p:cNvPr id="6" name="Text Placeholder 5"/>
+          <p:cNvSpPr>
+            <a:spLocks noGrp="1"/>
+          </p:cNvSpPr>
+          <p:nvPr>
+            <p:ph type="body" sz="half" idx="2"/>
+          </p:nvPr>
+        </p:nvSpPr>
+        <p:spPr>
+          <a:xfrm>
+            <a:off x="839788" y="1542143"/>
+            <a:ext cx="3932237" cy="4326845"/>
+          </a:xfrm>
+        </p:spPr>
+        <p:txBody>
+          <a:bodyPr/>
+          <a:lstStyle/>
+          <a:p>
+            <a:pPr marL="285750" indent="-285750">
+              <a:buFont typeface="Arial"/>
+              <a:buChar char="•"/>
+            </a:pPr>
+            <a:r>
+              <a:rPr lang="en-US" dirty="0" smtClean="0"/>
+              <a:t>No structure</a:t>
+            </a:r>
+          </a:p>
+          <a:p>
+            <a:pPr marL="285750" indent="-285750">
+              <a:buFont typeface="Arial"/>
+              <a:buChar char="•"/>
+            </a:pPr>
+            <a:r>
+              <a:rPr lang="en-US" dirty="0" smtClean="0"/>
+              <a:t>Unable to tell which nodes connect with which</a:t>
+            </a:r>
+          </a:p>
+          <a:p>
+            <a:pPr marL="285750" indent="-285750">
+              <a:buFont typeface="Arial"/>
+              <a:buChar char="•"/>
+            </a:pPr>
+            <a:r>
+              <a:rPr lang="en-US" dirty="0" smtClean="0"/>
+              <a:t>No information about what the nodes and edges mean</a:t>
+            </a:r>
+          </a:p>
+          <a:p>
+            <a:pPr marL="285750" indent="-285750">
+              <a:buFont typeface="Arial"/>
+              <a:buChar char="•"/>
+            </a:pPr>
+            <a:r>
+              <a:rPr lang="en-US" dirty="0" smtClean="0"/>
+              <a:t>All nodes are one color</a:t>
+            </a:r>
+          </a:p>
+          <a:p>
+            <a:pPr marL="285750" indent="-285750">
+              <a:buFont typeface="Arial"/>
+              <a:buChar char="•"/>
+            </a:pPr>
+            <a:r>
+              <a:rPr lang="en-US" dirty="0" smtClean="0"/>
+              <a:t>Unable to tell how long the lines are</a:t>
+            </a:r>
+          </a:p>
+          <a:p>
+            <a:pPr marL="285750" indent="-285750">
+              <a:buFont typeface="Arial"/>
+              <a:buChar char="•"/>
+            </a:pPr>
+            <a:endParaRPr lang="en-US" dirty="0"/>
+          </a:p>
+        </p:txBody>
+      </p:sp>
+      <p:pic>
+        <p:nvPicPr>
+          <p:cNvPr id="7" name="Content Placeholder 6"/>
+          <p:cNvPicPr>
+            <a:picLocks noGrp="1" noChangeAspect="1"/>
+          </p:cNvPicPr>
+          <p:nvPr>
+            <p:ph type="pic" idx="1"/>
+          </p:nvPr>
+        </p:nvPicPr>
+        <p:blipFill>
+          <a:blip r:embed="rId2">
+            <a:extLst>
+              <a:ext uri="{28A0092B-C50C-407E-A947-70E740481C1C}">
+                <a14:useLocalDpi xmlns:a14="http://schemas.microsoft.com/office/drawing/2010/main" val="0"/>
+              </a:ext>
+            </a:extLst>
+          </a:blip>
+          <a:srcRect t="-34521" b="-34521"/>
+          <a:stretch>
+            <a:fillRect/>
+          </a:stretch>
+        </p:blipFill>
+        <p:spPr>
+          <a:xfrm>
+            <a:off x="4926013" y="376238"/>
+            <a:ext cx="7100887" cy="5607050"/>
+          </a:xfrm>
+        </p:spPr>
+      </p:pic>
+    </p:spTree>
+    <p:extLst>
+      <p:ext uri="{BB962C8B-B14F-4D97-AF65-F5344CB8AC3E}">
+        <p14:creationId xmlns:p14="http://schemas.microsoft.com/office/powerpoint/2010/main" val="3853463512"/>
+      </p:ext>
+    </p:extLst>
+  </p:cSld>
+  <p:clrMapOvr>
+    <a:masterClrMapping/>
+  </p:clrMapOvr>
+</p:sld>
+</file>
+
+<file path=ppt/slides/slide5.xml><?xml version="1.0" encoding="utf-8"?>
+<p:sld xmlns:a="http://schemas.openxmlformats.org/drawingml/2006/main" xmlns:r="http://schemas.openxmlformats.org/officeDocument/2006/relationships" xmlns:p="http://schemas.openxmlformats.org/presentationml/2006/main">
+  <p:cSld>
+    <p:spTree>
+      <p:nvGrpSpPr>
+        <p:cNvPr id="1" name=""/>
+        <p:cNvGrpSpPr/>
+        <p:nvPr/>
+      </p:nvGrpSpPr>
+      <p:grpSpPr>
+        <a:xfrm>
+          <a:off x="0" y="0"/>
+          <a:ext cx="0" cy="0"/>
+          <a:chOff x="0" y="0"/>
+          <a:chExt cx="0" cy="0"/>
+        </a:xfrm>
+      </p:grpSpPr>
+      <p:sp>
+        <p:nvSpPr>
           <p:cNvPr id="5" name="Title 4"/>
           <p:cNvSpPr>
             <a:spLocks noGrp="1"/>
@@ -3629,7 +3848,7 @@
             <a:pPr algn="ctr"/>
             <a:r>
               <a:rPr lang="en-US" dirty="0" smtClean="0"/>
-              <a:t>Good Visualization</a:t>
+              <a:t>After Styling</a:t>
             </a:r>
             <a:endParaRPr lang="en-US" dirty="0"/>
           </a:p>
@@ -3668,6 +3887,253 @@
     <p:extLst>
       <p:ext uri="{BB962C8B-B14F-4D97-AF65-F5344CB8AC3E}">
         <p14:creationId xmlns:p14="http://schemas.microsoft.com/office/powerpoint/2010/main" val="2094365072"/>
+      </p:ext>
+    </p:extLst>
+  </p:cSld>
+  <p:clrMapOvr>
+    <a:masterClrMapping/>
+  </p:clrMapOvr>
+</p:sld>
+</file>
+
+<file path=ppt/slides/slide6.xml><?xml version="1.0" encoding="utf-8"?>
+<p:sld xmlns:a="http://schemas.openxmlformats.org/drawingml/2006/main" xmlns:r="http://schemas.openxmlformats.org/officeDocument/2006/relationships" xmlns:p="http://schemas.openxmlformats.org/presentationml/2006/main">
+  <p:cSld>
+    <p:spTree>
+      <p:nvGrpSpPr>
+        <p:cNvPr id="1" name=""/>
+        <p:cNvGrpSpPr/>
+        <p:nvPr/>
+      </p:nvGrpSpPr>
+      <p:grpSpPr>
+        <a:xfrm>
+          <a:off x="0" y="0"/>
+          <a:ext cx="0" cy="0"/>
+          <a:chOff x="0" y="0"/>
+          <a:chExt cx="0" cy="0"/>
+        </a:xfrm>
+      </p:grpSpPr>
+      <p:sp>
+        <p:nvSpPr>
+          <p:cNvPr id="2" name="Title 1"/>
+          <p:cNvSpPr>
+            <a:spLocks noGrp="1"/>
+          </p:cNvSpPr>
+          <p:nvPr>
+            <p:ph type="title"/>
+          </p:nvPr>
+        </p:nvSpPr>
+        <p:spPr>
+          <a:xfrm>
+            <a:off x="839788" y="457200"/>
+            <a:ext cx="3932237" cy="821871"/>
+          </a:xfrm>
+        </p:spPr>
+        <p:txBody>
+          <a:bodyPr/>
+          <a:lstStyle/>
+          <a:p>
+            <a:r>
+              <a:rPr lang="en-US" dirty="0" smtClean="0"/>
+              <a:t>Good Visualization</a:t>
+            </a:r>
+            <a:endParaRPr lang="en-US" dirty="0"/>
+          </a:p>
+        </p:txBody>
+      </p:sp>
+      <p:sp>
+        <p:nvSpPr>
+          <p:cNvPr id="4" name="Text Placeholder 3"/>
+          <p:cNvSpPr>
+            <a:spLocks noGrp="1"/>
+          </p:cNvSpPr>
+          <p:nvPr>
+            <p:ph type="body" sz="half" idx="2"/>
+          </p:nvPr>
+        </p:nvSpPr>
+        <p:spPr>
+          <a:xfrm>
+            <a:off x="839788" y="1442357"/>
+            <a:ext cx="3932237" cy="4426631"/>
+          </a:xfrm>
+        </p:spPr>
+        <p:txBody>
+          <a:bodyPr/>
+          <a:lstStyle/>
+          <a:p>
+            <a:pPr marL="285750" indent="-285750">
+              <a:buFont typeface="Arial"/>
+              <a:buChar char="•"/>
+            </a:pPr>
+            <a:r>
+              <a:rPr lang="en-US" dirty="0" smtClean="0"/>
+              <a:t>Used clustering to cluster the data in groups that they interact with.</a:t>
+            </a:r>
+          </a:p>
+          <a:p>
+            <a:pPr marL="285750" indent="-285750">
+              <a:buFont typeface="Arial"/>
+              <a:buChar char="•"/>
+            </a:pPr>
+            <a:r>
+              <a:rPr lang="en-US" dirty="0" smtClean="0"/>
+              <a:t>Used degree centrality to size the nodes</a:t>
+            </a:r>
+          </a:p>
+          <a:p>
+            <a:pPr marL="742950" lvl="1" indent="-285750">
+              <a:buFont typeface="Arial"/>
+              <a:buChar char="•"/>
+            </a:pPr>
+            <a:r>
+              <a:rPr lang="en-US" dirty="0" smtClean="0"/>
+              <a:t>Bigger nodes = bigger degree</a:t>
+            </a:r>
+          </a:p>
+          <a:p>
+            <a:pPr marL="285750" indent="-285750">
+              <a:buFont typeface="Arial"/>
+              <a:buChar char="•"/>
+            </a:pPr>
+            <a:r>
+              <a:rPr lang="en-US" dirty="0" smtClean="0"/>
+              <a:t>Tooltip with box shows ordinal information such as post message, degree score, type, etc.</a:t>
+            </a:r>
+          </a:p>
+          <a:p>
+            <a:pPr marL="285750" indent="-285750">
+              <a:buFont typeface="Arial"/>
+              <a:buChar char="•"/>
+            </a:pPr>
+            <a:r>
+              <a:rPr lang="en-US" dirty="0" smtClean="0"/>
+              <a:t>Uses colors to show type of node</a:t>
+            </a:r>
+          </a:p>
+          <a:p>
+            <a:pPr marL="742950" lvl="1" indent="-285750">
+              <a:buFont typeface="Arial"/>
+              <a:buChar char="•"/>
+            </a:pPr>
+            <a:r>
+              <a:rPr lang="en-US" dirty="0" smtClean="0"/>
+              <a:t>Yellow </a:t>
+            </a:r>
+            <a:r>
+              <a:rPr lang="mr-IN" dirty="0" smtClean="0"/>
+              <a:t>–</a:t>
+            </a:r>
+            <a:r>
+              <a:rPr lang="en-US" dirty="0" smtClean="0"/>
+              <a:t> Post</a:t>
+            </a:r>
+          </a:p>
+          <a:p>
+            <a:pPr marL="742950" lvl="1" indent="-285750">
+              <a:buFont typeface="Arial"/>
+              <a:buChar char="•"/>
+            </a:pPr>
+            <a:r>
+              <a:rPr lang="en-US" dirty="0" smtClean="0"/>
+              <a:t>Blue </a:t>
+            </a:r>
+            <a:r>
+              <a:rPr lang="mr-IN" dirty="0" smtClean="0"/>
+              <a:t>–</a:t>
+            </a:r>
+            <a:r>
+              <a:rPr lang="en-US" dirty="0" smtClean="0"/>
+              <a:t> Page</a:t>
+            </a:r>
+          </a:p>
+          <a:p>
+            <a:pPr marL="742950" lvl="1" indent="-285750">
+              <a:buFont typeface="Arial"/>
+              <a:buChar char="•"/>
+            </a:pPr>
+            <a:r>
+              <a:rPr lang="en-US" dirty="0" smtClean="0"/>
+              <a:t>Orange </a:t>
+            </a:r>
+            <a:r>
+              <a:rPr lang="mr-IN" dirty="0" smtClean="0"/>
+              <a:t>–</a:t>
+            </a:r>
+            <a:r>
+              <a:rPr lang="en-US" dirty="0" smtClean="0"/>
+              <a:t> Comment</a:t>
+            </a:r>
+          </a:p>
+          <a:p>
+            <a:pPr marL="285750" indent="-285750">
+              <a:buFont typeface="Arial"/>
+              <a:buChar char="•"/>
+            </a:pPr>
+            <a:r>
+              <a:rPr lang="en-US" dirty="0" smtClean="0"/>
+              <a:t>Attempted to maximize angles without lengthening the lines too much</a:t>
+            </a:r>
+          </a:p>
+          <a:p>
+            <a:pPr marL="285750" indent="-285750">
+              <a:buFont typeface="Arial"/>
+              <a:buChar char="•"/>
+            </a:pPr>
+            <a:r>
+              <a:rPr lang="en-US" dirty="0" smtClean="0"/>
+              <a:t>Attempted to minimize line crossing without increasing the angles or the length of the lines</a:t>
+            </a:r>
+          </a:p>
+          <a:p>
+            <a:pPr marL="742950" lvl="1" indent="-285750">
+              <a:buFont typeface="Arial"/>
+              <a:buChar char="•"/>
+            </a:pPr>
+            <a:endParaRPr lang="en-US" dirty="0" smtClean="0"/>
+          </a:p>
+          <a:p>
+            <a:pPr marL="742950" lvl="1" indent="-285750">
+              <a:buFont typeface="Arial"/>
+              <a:buChar char="•"/>
+            </a:pPr>
+            <a:endParaRPr lang="en-US" dirty="0" smtClean="0"/>
+          </a:p>
+        </p:txBody>
+      </p:sp>
+      <p:pic>
+        <p:nvPicPr>
+          <p:cNvPr id="5" name="Content Placeholder 2"/>
+          <p:cNvPicPr>
+            <a:picLocks noGrp="1" noChangeAspect="1"/>
+          </p:cNvPicPr>
+          <p:nvPr>
+            <p:ph type="pic" idx="1"/>
+          </p:nvPr>
+        </p:nvPicPr>
+        <p:blipFill>
+          <a:blip r:embed="rId2">
+            <a:extLst>
+              <a:ext uri="{28A0092B-C50C-407E-A947-70E740481C1C}">
+                <a14:useLocalDpi xmlns:a14="http://schemas.microsoft.com/office/drawing/2010/main" val="0"/>
+              </a:ext>
+            </a:extLst>
+          </a:blip>
+          <a:srcRect t="-36938" b="-36938"/>
+          <a:stretch>
+            <a:fillRect/>
+          </a:stretch>
+        </p:blipFill>
+        <p:spPr>
+          <a:xfrm>
+            <a:off x="4874149" y="457201"/>
+            <a:ext cx="7152742" cy="5647870"/>
+          </a:xfrm>
+        </p:spPr>
+      </p:pic>
+    </p:spTree>
+    <p:extLst>
+      <p:ext uri="{BB962C8B-B14F-4D97-AF65-F5344CB8AC3E}">
+        <p14:creationId xmlns:p14="http://schemas.microsoft.com/office/powerpoint/2010/main" val="2829952462"/>
       </p:ext>
     </p:extLst>
   </p:cSld>
@@ -3720,7 +4186,7 @@
     </a:clrScheme>
     <a:fontScheme name="Office">
       <a:majorFont>
-        <a:latin typeface="Calibri Light" panose="020F0302020204030204"/>
+        <a:latin typeface="Calibri Light"/>
         <a:ea typeface=""/>
         <a:cs typeface=""/>
         <a:font script="Jpan" typeface="Yu Gothic Light"/>
@@ -3755,7 +4221,7 @@
         <a:font script="Geor" typeface="Sylfaen"/>
       </a:majorFont>
       <a:minorFont>
-        <a:latin typeface="Calibri" panose="020F0502020204030204"/>
+        <a:latin typeface="Calibri"/>
         <a:ea typeface=""/>
         <a:cs typeface=""/>
         <a:font script="Jpan" typeface="Yu Gothic"/>
@@ -3932,7 +4398,7 @@
   <a:extraClrSchemeLst/>
   <a:extLst>
     <a:ext uri="{05A4C25C-085E-4340-85A3-A5531E510DB2}">
-      <thm15:themeFamily xmlns:thm15="http://schemas.microsoft.com/office/thememl/2012/main" name="Office Theme" id="{62F939B6-93AF-4DB8-9C6B-D6C7DFDC589F}" vid="{4A3C46E8-61CC-4603-A589-7422A47A8E4A}"/>
+      <thm15:themeFamily xmlns="" xmlns:thm15="http://schemas.microsoft.com/office/thememl/2012/main" name="Office Theme" id="{62F939B6-93AF-4DB8-9C6B-D6C7DFDC589F}" vid="{4A3C46E8-61CC-4603-A589-7422A47A8E4A}"/>
     </a:ext>
   </a:extLst>
 </a:theme>
@@ -3981,7 +4447,7 @@
     </a:clrScheme>
     <a:fontScheme name="Office">
       <a:majorFont>
-        <a:latin typeface="Calibri Light" panose="020F0302020204030204"/>
+        <a:latin typeface="Calibri Light"/>
         <a:ea typeface=""/>
         <a:cs typeface=""/>
         <a:font script="Jpan" typeface="Yu Gothic Light"/>
@@ -4016,7 +4482,7 @@
         <a:font script="Geor" typeface="Sylfaen"/>
       </a:majorFont>
       <a:minorFont>
-        <a:latin typeface="Calibri" panose="020F0502020204030204"/>
+        <a:latin typeface="Calibri"/>
         <a:ea typeface=""/>
         <a:cs typeface=""/>
         <a:font script="Jpan" typeface="Yu Gothic"/>
@@ -4193,7 +4659,7 @@
   <a:extraClrSchemeLst/>
   <a:extLst>
     <a:ext uri="{05A4C25C-085E-4340-85A3-A5531E510DB2}">
-      <thm15:themeFamily xmlns:thm15="http://schemas.microsoft.com/office/thememl/2012/main" name="Office Theme" id="{62F939B6-93AF-4DB8-9C6B-D6C7DFDC589F}" vid="{4A3C46E8-61CC-4603-A589-7422A47A8E4A}"/>
+      <thm15:themeFamily xmlns="" xmlns:thm15="http://schemas.microsoft.com/office/thememl/2012/main" name="Office Theme" id="{62F939B6-93AF-4DB8-9C6B-D6C7DFDC589F}" vid="{4A3C46E8-61CC-4603-A589-7422A47A8E4A}"/>
     </a:ext>
   </a:extLst>
 </a:theme>
